--- a/docs/Summary Evaluation Platform.pptx
+++ b/docs/Summary Evaluation Platform.pptx
@@ -11,6 +11,7 @@
     <p:sldId id="259" r:id="rId5"/>
     <p:sldId id="260" r:id="rId6"/>
     <p:sldId id="261" r:id="rId7"/>
+    <p:sldId id="262" r:id="rId8"/>
   </p:sldIdLst>
   <p:sldSz cx="12192000" cy="6858000"/>
   <p:notesSz cx="6858000" cy="9144000"/>
@@ -109,6 +110,11 @@
       </a:defRPr>
     </a:lvl9pPr>
   </p:defaultTextStyle>
+  <p:extLst>
+    <p:ext uri="{EFAFB233-063F-42B5-8137-9DF3F51BA10A}">
+      <p15:sldGuideLst xmlns:p15="http://schemas.microsoft.com/office/powerpoint/2012/main"/>
+    </p:ext>
+  </p:extLst>
 </p:presentation>
 </file>
 
@@ -259,7 +265,7 @@
           <a:p>
             <a:fld id="{AE72E4A3-5144-40B6-93C7-11BD6FD0ECF5}" type="datetimeFigureOut">
               <a:rPr lang="en-US" smtClean="0"/>
-              <a:t>11/2/2019</a:t>
+              <a:t>11/4/2019</a:t>
             </a:fld>
             <a:endParaRPr lang="en-US"/>
           </a:p>
@@ -457,7 +463,7 @@
           <a:p>
             <a:fld id="{AE72E4A3-5144-40B6-93C7-11BD6FD0ECF5}" type="datetimeFigureOut">
               <a:rPr lang="en-US" smtClean="0"/>
-              <a:t>11/2/2019</a:t>
+              <a:t>11/4/2019</a:t>
             </a:fld>
             <a:endParaRPr lang="en-US"/>
           </a:p>
@@ -665,7 +671,7 @@
           <a:p>
             <a:fld id="{AE72E4A3-5144-40B6-93C7-11BD6FD0ECF5}" type="datetimeFigureOut">
               <a:rPr lang="en-US" smtClean="0"/>
-              <a:t>11/2/2019</a:t>
+              <a:t>11/4/2019</a:t>
             </a:fld>
             <a:endParaRPr lang="en-US"/>
           </a:p>
@@ -863,7 +869,7 @@
           <a:p>
             <a:fld id="{AE72E4A3-5144-40B6-93C7-11BD6FD0ECF5}" type="datetimeFigureOut">
               <a:rPr lang="en-US" smtClean="0"/>
-              <a:t>11/2/2019</a:t>
+              <a:t>11/4/2019</a:t>
             </a:fld>
             <a:endParaRPr lang="en-US"/>
           </a:p>
@@ -1138,7 +1144,7 @@
           <a:p>
             <a:fld id="{AE72E4A3-5144-40B6-93C7-11BD6FD0ECF5}" type="datetimeFigureOut">
               <a:rPr lang="en-US" smtClean="0"/>
-              <a:t>11/2/2019</a:t>
+              <a:t>11/4/2019</a:t>
             </a:fld>
             <a:endParaRPr lang="en-US"/>
           </a:p>
@@ -1403,7 +1409,7 @@
           <a:p>
             <a:fld id="{AE72E4A3-5144-40B6-93C7-11BD6FD0ECF5}" type="datetimeFigureOut">
               <a:rPr lang="en-US" smtClean="0"/>
-              <a:t>11/2/2019</a:t>
+              <a:t>11/4/2019</a:t>
             </a:fld>
             <a:endParaRPr lang="en-US"/>
           </a:p>
@@ -1815,7 +1821,7 @@
           <a:p>
             <a:fld id="{AE72E4A3-5144-40B6-93C7-11BD6FD0ECF5}" type="datetimeFigureOut">
               <a:rPr lang="en-US" smtClean="0"/>
-              <a:t>11/2/2019</a:t>
+              <a:t>11/4/2019</a:t>
             </a:fld>
             <a:endParaRPr lang="en-US"/>
           </a:p>
@@ -1956,7 +1962,7 @@
           <a:p>
             <a:fld id="{AE72E4A3-5144-40B6-93C7-11BD6FD0ECF5}" type="datetimeFigureOut">
               <a:rPr lang="en-US" smtClean="0"/>
-              <a:t>11/2/2019</a:t>
+              <a:t>11/4/2019</a:t>
             </a:fld>
             <a:endParaRPr lang="en-US"/>
           </a:p>
@@ -2069,7 +2075,7 @@
           <a:p>
             <a:fld id="{AE72E4A3-5144-40B6-93C7-11BD6FD0ECF5}" type="datetimeFigureOut">
               <a:rPr lang="en-US" smtClean="0"/>
-              <a:t>11/2/2019</a:t>
+              <a:t>11/4/2019</a:t>
             </a:fld>
             <a:endParaRPr lang="en-US"/>
           </a:p>
@@ -2380,7 +2386,7 @@
           <a:p>
             <a:fld id="{AE72E4A3-5144-40B6-93C7-11BD6FD0ECF5}" type="datetimeFigureOut">
               <a:rPr lang="en-US" smtClean="0"/>
-              <a:t>11/2/2019</a:t>
+              <a:t>11/4/2019</a:t>
             </a:fld>
             <a:endParaRPr lang="en-US"/>
           </a:p>
@@ -2668,7 +2674,7 @@
           <a:p>
             <a:fld id="{AE72E4A3-5144-40B6-93C7-11BD6FD0ECF5}" type="datetimeFigureOut">
               <a:rPr lang="en-US" smtClean="0"/>
-              <a:t>11/2/2019</a:t>
+              <a:t>11/4/2019</a:t>
             </a:fld>
             <a:endParaRPr lang="en-US"/>
           </a:p>
@@ -2909,7 +2915,7 @@
           <a:p>
             <a:fld id="{AE72E4A3-5144-40B6-93C7-11BD6FD0ECF5}" type="datetimeFigureOut">
               <a:rPr lang="en-US" smtClean="0"/>
-              <a:t>11/2/2019</a:t>
+              <a:t>11/4/2019</a:t>
             </a:fld>
             <a:endParaRPr lang="en-US"/>
           </a:p>
@@ -4053,6 +4059,286 @@
 </p:sld>
 </file>
 
+<file path=ppt/slides/slide7.xml><?xml version="1.0" encoding="utf-8"?>
+<p:sld xmlns:a="http://schemas.openxmlformats.org/drawingml/2006/main" xmlns:r="http://schemas.openxmlformats.org/officeDocument/2006/relationships" xmlns:p="http://schemas.openxmlformats.org/presentationml/2006/main">
+  <p:cSld>
+    <p:spTree>
+      <p:nvGrpSpPr>
+        <p:cNvPr id="1" name=""/>
+        <p:cNvGrpSpPr/>
+        <p:nvPr/>
+      </p:nvGrpSpPr>
+      <p:grpSpPr>
+        <a:xfrm>
+          <a:off x="0" y="0"/>
+          <a:ext cx="0" cy="0"/>
+          <a:chOff x="0" y="0"/>
+          <a:chExt cx="0" cy="0"/>
+        </a:xfrm>
+      </p:grpSpPr>
+      <p:sp>
+        <p:nvSpPr>
+          <p:cNvPr id="2" name="Title 1">
+            <a:extLst>
+              <a:ext uri="{FF2B5EF4-FFF2-40B4-BE49-F238E27FC236}">
+                <a16:creationId xmlns:a16="http://schemas.microsoft.com/office/drawing/2014/main" id="{F5AEA3D2-7218-4C79-81A8-901B75CF2C36}"/>
+              </a:ext>
+            </a:extLst>
+          </p:cNvPr>
+          <p:cNvSpPr>
+            <a:spLocks noGrp="1"/>
+          </p:cNvSpPr>
+          <p:nvPr>
+            <p:ph type="title"/>
+          </p:nvPr>
+        </p:nvSpPr>
+        <p:spPr/>
+        <p:txBody>
+          <a:bodyPr/>
+          <a:lstStyle/>
+          <a:p>
+            <a:r>
+              <a:rPr lang="en-US" dirty="0"/>
+              <a:t>Summary Evaluation (bird’s-eye view)</a:t>
+            </a:r>
+          </a:p>
+        </p:txBody>
+      </p:sp>
+      <mc:AlternateContent xmlns:mc="http://schemas.openxmlformats.org/markup-compatibility/2006">
+        <mc:Choice xmlns:a14="http://schemas.microsoft.com/office/drawing/2010/main" Requires="a14">
+          <p:sp>
+            <p:nvSpPr>
+              <p:cNvPr id="3" name="Content Placeholder 2">
+                <a:extLst>
+                  <a:ext uri="{FF2B5EF4-FFF2-40B4-BE49-F238E27FC236}">
+                    <a16:creationId xmlns:a16="http://schemas.microsoft.com/office/drawing/2014/main" id="{0E27EE62-9987-4EEA-AA65-A1B71CEA91C2}"/>
+                  </a:ext>
+                </a:extLst>
+              </p:cNvPr>
+              <p:cNvSpPr>
+                <a:spLocks noGrp="1"/>
+              </p:cNvSpPr>
+              <p:nvPr>
+                <p:ph idx="1"/>
+              </p:nvPr>
+            </p:nvSpPr>
+            <p:spPr/>
+            <p:txBody>
+              <a:bodyPr/>
+              <a:lstStyle/>
+              <a:p>
+                <a:r>
+                  <a:rPr lang="en-US"/>
+                  <a:t>Human Judgement</a:t>
+                </a:r>
+                <a:endParaRPr lang="en-US" dirty="0"/>
+              </a:p>
+              <a:p>
+                <a:pPr lvl="1"/>
+                <a:r>
+                  <a:rPr lang="en-US" dirty="0"/>
+                  <a:t>Subjectivity leads to disagreement.</a:t>
+                </a:r>
+              </a:p>
+              <a:p>
+                <a:r>
+                  <a:rPr lang="en-US" dirty="0"/>
+                  <a:t>Metric</a:t>
+                </a:r>
+              </a:p>
+              <a:p>
+                <a:pPr lvl="1"/>
+                <a14:m>
+                  <m:oMath xmlns:m="http://schemas.openxmlformats.org/officeDocument/2006/math">
+                    <m:sSub>
+                      <m:sSubPr>
+                        <m:ctrlPr>
+                          <a:rPr lang="en-US" i="1"/>
+                        </m:ctrlPr>
+                      </m:sSubPr>
+                      <m:e>
+                        <m:r>
+                          <a:rPr lang="en-US" i="1"/>
+                          <m:t>𝑓</m:t>
+                        </m:r>
+                      </m:e>
+                      <m:sub>
+                        <m:r>
+                          <a:rPr lang="en-US" i="1"/>
+                          <m:t>𝑚𝑒𝑡𝑟𝑖𝑐</m:t>
+                        </m:r>
+                      </m:sub>
+                    </m:sSub>
+                    <m:d>
+                      <m:dPr>
+                        <m:ctrlPr>
+                          <a:rPr lang="en-US" i="1"/>
+                        </m:ctrlPr>
+                      </m:dPr>
+                      <m:e>
+                        <m:sSub>
+                          <m:sSubPr>
+                            <m:ctrlPr>
+                              <a:rPr lang="en-US" i="1"/>
+                            </m:ctrlPr>
+                          </m:sSubPr>
+                          <m:e>
+                            <m:r>
+                              <a:rPr lang="en-US" i="1"/>
+                              <m:t>𝑇𝑒𝑥𝑡</m:t>
+                            </m:r>
+                          </m:e>
+                          <m:sub>
+                            <m:r>
+                              <a:rPr lang="en-US" i="1"/>
+                              <m:t>𝑥</m:t>
+                            </m:r>
+                          </m:sub>
+                        </m:sSub>
+                        <m:r>
+                          <a:rPr lang="en-US" i="1"/>
+                          <m:t>, </m:t>
+                        </m:r>
+                        <m:sSub>
+                          <m:sSubPr>
+                            <m:ctrlPr>
+                              <a:rPr lang="en-US" i="1"/>
+                            </m:ctrlPr>
+                          </m:sSubPr>
+                          <m:e>
+                            <m:r>
+                              <a:rPr lang="en-US" i="1"/>
+                              <m:t>𝑃</m:t>
+                            </m:r>
+                          </m:e>
+                          <m:sub>
+                            <m:r>
+                              <a:rPr lang="en-US" i="1"/>
+                              <m:t>1</m:t>
+                            </m:r>
+                          </m:sub>
+                        </m:sSub>
+                        <m:r>
+                          <a:rPr lang="en-US" i="1"/>
+                          <m:t>,…, </m:t>
+                        </m:r>
+                        <m:sSub>
+                          <m:sSubPr>
+                            <m:ctrlPr>
+                              <a:rPr lang="en-US" i="1"/>
+                            </m:ctrlPr>
+                          </m:sSubPr>
+                          <m:e>
+                            <m:r>
+                              <a:rPr lang="en-US" i="1"/>
+                              <m:t>𝑃</m:t>
+                            </m:r>
+                          </m:e>
+                          <m:sub>
+                            <m:r>
+                              <a:rPr lang="en-US" i="1"/>
+                              <m:t>𝑛</m:t>
+                            </m:r>
+                          </m:sub>
+                        </m:sSub>
+                      </m:e>
+                    </m:d>
+                    <m:r>
+                      <a:rPr lang="en-US" i="1"/>
+                      <m:t>→</m:t>
+                    </m:r>
+                    <m:r>
+                      <a:rPr lang="en-US" i="1"/>
+                      <m:t>𝑠𝑐𝑜𝑟𝑒</m:t>
+                    </m:r>
+                    <m:r>
+                      <a:rPr lang="en-US" i="1"/>
+                      <m:t>∈</m:t>
+                    </m:r>
+                    <m:r>
+                      <a:rPr lang="en-US" i="1"/>
+                      <m:t>𝑅</m:t>
+                    </m:r>
+                    <m:r>
+                      <a:rPr lang="en-US" i="1"/>
+                      <m:t> </m:t>
+                    </m:r>
+                  </m:oMath>
+                </a14:m>
+                <a:endParaRPr lang="en-US" dirty="0"/>
+              </a:p>
+              <a:p>
+                <a:r>
+                  <a:rPr lang="en-US" dirty="0"/>
+                  <a:t>Anyways… humans judgement is the best one</a:t>
+                </a:r>
+              </a:p>
+              <a:p>
+                <a:pPr lvl="1"/>
+                <a:r>
+                  <a:rPr lang="en-US" dirty="0"/>
+                  <a:t>Good metric [of informativeness] is a one that have statistical correlation to human</a:t>
+                </a:r>
+              </a:p>
+              <a:p>
+                <a:endParaRPr lang="en-US" dirty="0"/>
+              </a:p>
+            </p:txBody>
+          </p:sp>
+        </mc:Choice>
+        <mc:Fallback>
+          <p:sp>
+            <p:nvSpPr>
+              <p:cNvPr id="3" name="Content Placeholder 2">
+                <a:extLst>
+                  <a:ext uri="{FF2B5EF4-FFF2-40B4-BE49-F238E27FC236}">
+                    <a16:creationId xmlns:a16="http://schemas.microsoft.com/office/drawing/2014/main" id="{0E27EE62-9987-4EEA-AA65-A1B71CEA91C2}"/>
+                  </a:ext>
+                </a:extLst>
+              </p:cNvPr>
+              <p:cNvSpPr>
+                <a:spLocks noGrp="1" noRot="1" noChangeAspect="1" noMove="1" noResize="1" noEditPoints="1" noAdjustHandles="1" noChangeArrowheads="1" noChangeShapeType="1" noTextEdit="1"/>
+              </p:cNvSpPr>
+              <p:nvPr>
+                <p:ph idx="1"/>
+              </p:nvPr>
+            </p:nvSpPr>
+            <p:spPr>
+              <a:blipFill>
+                <a:blip r:embed="rId2"/>
+                <a:stretch>
+                  <a:fillRect l="-1043" t="-2241"/>
+                </a:stretch>
+              </a:blipFill>
+            </p:spPr>
+            <p:txBody>
+              <a:bodyPr/>
+              <a:lstStyle/>
+              <a:p>
+                <a:r>
+                  <a:rPr lang="en-US">
+                    <a:noFill/>
+                  </a:rPr>
+                  <a:t> </a:t>
+                </a:r>
+              </a:p>
+            </p:txBody>
+          </p:sp>
+        </mc:Fallback>
+      </mc:AlternateContent>
+    </p:spTree>
+    <p:extLst>
+      <p:ext uri="{BB962C8B-B14F-4D97-AF65-F5344CB8AC3E}">
+        <p14:creationId xmlns:p14="http://schemas.microsoft.com/office/powerpoint/2010/main" val="3282055407"/>
+      </p:ext>
+    </p:extLst>
+  </p:cSld>
+  <p:clrMapOvr>
+    <a:masterClrMapping/>
+  </p:clrMapOvr>
+</p:sld>
+</file>
+
 <file path=ppt/theme/theme1.xml><?xml version="1.0" encoding="utf-8"?>
 <a:theme xmlns:a="http://schemas.openxmlformats.org/drawingml/2006/main" name="Office Theme">
   <a:themeElements>

--- a/docs/Summary Evaluation Platform.pptx
+++ b/docs/Summary Evaluation Platform.pptx
@@ -11,7 +11,11 @@
     <p:sldId id="259" r:id="rId5"/>
     <p:sldId id="260" r:id="rId6"/>
     <p:sldId id="261" r:id="rId7"/>
-    <p:sldId id="262" r:id="rId8"/>
+    <p:sldId id="263" r:id="rId8"/>
+    <p:sldId id="264" r:id="rId9"/>
+    <p:sldId id="262" r:id="rId10"/>
+    <p:sldId id="265" r:id="rId11"/>
+    <p:sldId id="266" r:id="rId12"/>
   </p:sldIdLst>
   <p:sldSz cx="12192000" cy="6858000"/>
   <p:notesSz cx="6858000" cy="9144000"/>
@@ -265,7 +269,7 @@
           <a:p>
             <a:fld id="{AE72E4A3-5144-40B6-93C7-11BD6FD0ECF5}" type="datetimeFigureOut">
               <a:rPr lang="en-US" smtClean="0"/>
-              <a:t>11/4/2019</a:t>
+              <a:t>11/5/2019</a:t>
             </a:fld>
             <a:endParaRPr lang="en-US"/>
           </a:p>
@@ -463,7 +467,7 @@
           <a:p>
             <a:fld id="{AE72E4A3-5144-40B6-93C7-11BD6FD0ECF5}" type="datetimeFigureOut">
               <a:rPr lang="en-US" smtClean="0"/>
-              <a:t>11/4/2019</a:t>
+              <a:t>11/5/2019</a:t>
             </a:fld>
             <a:endParaRPr lang="en-US"/>
           </a:p>
@@ -671,7 +675,7 @@
           <a:p>
             <a:fld id="{AE72E4A3-5144-40B6-93C7-11BD6FD0ECF5}" type="datetimeFigureOut">
               <a:rPr lang="en-US" smtClean="0"/>
-              <a:t>11/4/2019</a:t>
+              <a:t>11/5/2019</a:t>
             </a:fld>
             <a:endParaRPr lang="en-US"/>
           </a:p>
@@ -869,7 +873,7 @@
           <a:p>
             <a:fld id="{AE72E4A3-5144-40B6-93C7-11BD6FD0ECF5}" type="datetimeFigureOut">
               <a:rPr lang="en-US" smtClean="0"/>
-              <a:t>11/4/2019</a:t>
+              <a:t>11/5/2019</a:t>
             </a:fld>
             <a:endParaRPr lang="en-US"/>
           </a:p>
@@ -1144,7 +1148,7 @@
           <a:p>
             <a:fld id="{AE72E4A3-5144-40B6-93C7-11BD6FD0ECF5}" type="datetimeFigureOut">
               <a:rPr lang="en-US" smtClean="0"/>
-              <a:t>11/4/2019</a:t>
+              <a:t>11/5/2019</a:t>
             </a:fld>
             <a:endParaRPr lang="en-US"/>
           </a:p>
@@ -1409,7 +1413,7 @@
           <a:p>
             <a:fld id="{AE72E4A3-5144-40B6-93C7-11BD6FD0ECF5}" type="datetimeFigureOut">
               <a:rPr lang="en-US" smtClean="0"/>
-              <a:t>11/4/2019</a:t>
+              <a:t>11/5/2019</a:t>
             </a:fld>
             <a:endParaRPr lang="en-US"/>
           </a:p>
@@ -1821,7 +1825,7 @@
           <a:p>
             <a:fld id="{AE72E4A3-5144-40B6-93C7-11BD6FD0ECF5}" type="datetimeFigureOut">
               <a:rPr lang="en-US" smtClean="0"/>
-              <a:t>11/4/2019</a:t>
+              <a:t>11/5/2019</a:t>
             </a:fld>
             <a:endParaRPr lang="en-US"/>
           </a:p>
@@ -1962,7 +1966,7 @@
           <a:p>
             <a:fld id="{AE72E4A3-5144-40B6-93C7-11BD6FD0ECF5}" type="datetimeFigureOut">
               <a:rPr lang="en-US" smtClean="0"/>
-              <a:t>11/4/2019</a:t>
+              <a:t>11/5/2019</a:t>
             </a:fld>
             <a:endParaRPr lang="en-US"/>
           </a:p>
@@ -2075,7 +2079,7 @@
           <a:p>
             <a:fld id="{AE72E4A3-5144-40B6-93C7-11BD6FD0ECF5}" type="datetimeFigureOut">
               <a:rPr lang="en-US" smtClean="0"/>
-              <a:t>11/4/2019</a:t>
+              <a:t>11/5/2019</a:t>
             </a:fld>
             <a:endParaRPr lang="en-US"/>
           </a:p>
@@ -2386,7 +2390,7 @@
           <a:p>
             <a:fld id="{AE72E4A3-5144-40B6-93C7-11BD6FD0ECF5}" type="datetimeFigureOut">
               <a:rPr lang="en-US" smtClean="0"/>
-              <a:t>11/4/2019</a:t>
+              <a:t>11/5/2019</a:t>
             </a:fld>
             <a:endParaRPr lang="en-US"/>
           </a:p>
@@ -2674,7 +2678,7 @@
           <a:p>
             <a:fld id="{AE72E4A3-5144-40B6-93C7-11BD6FD0ECF5}" type="datetimeFigureOut">
               <a:rPr lang="en-US" smtClean="0"/>
-              <a:t>11/4/2019</a:t>
+              <a:t>11/5/2019</a:t>
             </a:fld>
             <a:endParaRPr lang="en-US"/>
           </a:p>
@@ -2915,7 +2919,7 @@
           <a:p>
             <a:fld id="{AE72E4A3-5144-40B6-93C7-11BD6FD0ECF5}" type="datetimeFigureOut">
               <a:rPr lang="en-US" smtClean="0"/>
-              <a:t>11/4/2019</a:t>
+              <a:t>11/5/2019</a:t>
             </a:fld>
             <a:endParaRPr lang="en-US"/>
           </a:p>
@@ -3413,6 +3417,191 @@
 </p:sld>
 </file>
 
+<file path=ppt/slides/slide10.xml><?xml version="1.0" encoding="utf-8"?>
+<p:sld xmlns:a="http://schemas.openxmlformats.org/drawingml/2006/main" xmlns:r="http://schemas.openxmlformats.org/officeDocument/2006/relationships" xmlns:p="http://schemas.openxmlformats.org/presentationml/2006/main">
+  <p:cSld>
+    <p:spTree>
+      <p:nvGrpSpPr>
+        <p:cNvPr id="1" name=""/>
+        <p:cNvGrpSpPr/>
+        <p:nvPr/>
+      </p:nvGrpSpPr>
+      <p:grpSpPr>
+        <a:xfrm>
+          <a:off x="0" y="0"/>
+          <a:ext cx="0" cy="0"/>
+          <a:chOff x="0" y="0"/>
+          <a:chExt cx="0" cy="0"/>
+        </a:xfrm>
+      </p:grpSpPr>
+      <p:sp>
+        <p:nvSpPr>
+          <p:cNvPr id="2" name="Title 1">
+            <a:extLst>
+              <a:ext uri="{FF2B5EF4-FFF2-40B4-BE49-F238E27FC236}">
+                <a16:creationId xmlns:a16="http://schemas.microsoft.com/office/drawing/2014/main" id="{C630DE44-A368-4659-A0C3-655021057870}"/>
+              </a:ext>
+            </a:extLst>
+          </p:cNvPr>
+          <p:cNvSpPr>
+            <a:spLocks noGrp="1"/>
+          </p:cNvSpPr>
+          <p:nvPr>
+            <p:ph type="title"/>
+          </p:nvPr>
+        </p:nvSpPr>
+        <p:spPr/>
+        <p:txBody>
+          <a:bodyPr/>
+          <a:lstStyle/>
+          <a:p>
+            <a:r>
+              <a:rPr lang="en-US" dirty="0"/>
+              <a:t>Summary Evaluation (“Surface”)</a:t>
+            </a:r>
+          </a:p>
+        </p:txBody>
+      </p:sp>
+      <p:sp>
+        <p:nvSpPr>
+          <p:cNvPr id="3" name="Content Placeholder 2">
+            <a:extLst>
+              <a:ext uri="{FF2B5EF4-FFF2-40B4-BE49-F238E27FC236}">
+                <a16:creationId xmlns:a16="http://schemas.microsoft.com/office/drawing/2014/main" id="{3DD77E2B-F6B0-41FD-9B29-F7B8FBAE6DA2}"/>
+              </a:ext>
+            </a:extLst>
+          </p:cNvPr>
+          <p:cNvSpPr>
+            <a:spLocks noGrp="1"/>
+          </p:cNvSpPr>
+          <p:nvPr>
+            <p:ph idx="1"/>
+          </p:nvPr>
+        </p:nvSpPr>
+        <p:spPr/>
+        <p:txBody>
+          <a:bodyPr/>
+          <a:lstStyle/>
+          <a:p>
+            <a:r>
+              <a:rPr lang="en-US" dirty="0"/>
+              <a:t>Readability Metrics are based on the on the mapping from the text itself to a real number</a:t>
+            </a:r>
+          </a:p>
+          <a:p>
+            <a:r>
+              <a:rPr lang="en-US" i="1" dirty="0"/>
+              <a:t>By themselves, do not tell a much about summary. However, within comparison to the original texts can </a:t>
+            </a:r>
+            <a:r>
+              <a:rPr lang="en-US" i="1" u="sng" dirty="0"/>
+              <a:t>show the summarizer </a:t>
+            </a:r>
+            <a:r>
+              <a:rPr lang="en-US" i="1" u="sng"/>
+              <a:t>behavior aspects</a:t>
+            </a:r>
+            <a:r>
+              <a:rPr lang="en-US" i="1"/>
+              <a:t>.</a:t>
+            </a:r>
+            <a:endParaRPr lang="en-US" i="1" dirty="0"/>
+          </a:p>
+        </p:txBody>
+      </p:sp>
+    </p:spTree>
+    <p:extLst>
+      <p:ext uri="{BB962C8B-B14F-4D97-AF65-F5344CB8AC3E}">
+        <p14:creationId xmlns:p14="http://schemas.microsoft.com/office/powerpoint/2010/main" val="1448702976"/>
+      </p:ext>
+    </p:extLst>
+  </p:cSld>
+  <p:clrMapOvr>
+    <a:masterClrMapping/>
+  </p:clrMapOvr>
+</p:sld>
+</file>
+
+<file path=ppt/slides/slide11.xml><?xml version="1.0" encoding="utf-8"?>
+<p:sld xmlns:a="http://schemas.openxmlformats.org/drawingml/2006/main" xmlns:r="http://schemas.openxmlformats.org/officeDocument/2006/relationships" xmlns:p="http://schemas.openxmlformats.org/presentationml/2006/main">
+  <p:cSld>
+    <p:spTree>
+      <p:nvGrpSpPr>
+        <p:cNvPr id="1" name=""/>
+        <p:cNvGrpSpPr/>
+        <p:nvPr/>
+      </p:nvGrpSpPr>
+      <p:grpSpPr>
+        <a:xfrm>
+          <a:off x="0" y="0"/>
+          <a:ext cx="0" cy="0"/>
+          <a:chOff x="0" y="0"/>
+          <a:chExt cx="0" cy="0"/>
+        </a:xfrm>
+      </p:grpSpPr>
+      <p:sp>
+        <p:nvSpPr>
+          <p:cNvPr id="2" name="Title 1">
+            <a:extLst>
+              <a:ext uri="{FF2B5EF4-FFF2-40B4-BE49-F238E27FC236}">
+                <a16:creationId xmlns:a16="http://schemas.microsoft.com/office/drawing/2014/main" id="{FD5FF8F9-550B-498B-88AC-C0AACB065E8B}"/>
+              </a:ext>
+            </a:extLst>
+          </p:cNvPr>
+          <p:cNvSpPr>
+            <a:spLocks noGrp="1"/>
+          </p:cNvSpPr>
+          <p:nvPr>
+            <p:ph type="title"/>
+          </p:nvPr>
+        </p:nvSpPr>
+        <p:spPr/>
+        <p:txBody>
+          <a:bodyPr/>
+          <a:lstStyle/>
+          <a:p>
+            <a:endParaRPr lang="en-US" dirty="0"/>
+          </a:p>
+        </p:txBody>
+      </p:sp>
+      <p:sp>
+        <p:nvSpPr>
+          <p:cNvPr id="3" name="Content Placeholder 2">
+            <a:extLst>
+              <a:ext uri="{FF2B5EF4-FFF2-40B4-BE49-F238E27FC236}">
+                <a16:creationId xmlns:a16="http://schemas.microsoft.com/office/drawing/2014/main" id="{A3AE9A20-024F-4B4E-924B-ADC604B88D02}"/>
+              </a:ext>
+            </a:extLst>
+          </p:cNvPr>
+          <p:cNvSpPr>
+            <a:spLocks noGrp="1"/>
+          </p:cNvSpPr>
+          <p:nvPr>
+            <p:ph idx="1"/>
+          </p:nvPr>
+        </p:nvSpPr>
+        <p:spPr/>
+        <p:txBody>
+          <a:bodyPr/>
+          <a:lstStyle/>
+          <a:p>
+            <a:endParaRPr lang="en-US"/>
+          </a:p>
+        </p:txBody>
+      </p:sp>
+    </p:spTree>
+    <p:extLst>
+      <p:ext uri="{BB962C8B-B14F-4D97-AF65-F5344CB8AC3E}">
+        <p14:creationId xmlns:p14="http://schemas.microsoft.com/office/powerpoint/2010/main" val="1458754333"/>
+      </p:ext>
+    </p:extLst>
+  </p:cSld>
+  <p:clrMapOvr>
+    <a:masterClrMapping/>
+  </p:clrMapOvr>
+</p:sld>
+</file>
+
 <file path=ppt/slides/slide2.xml><?xml version="1.0" encoding="utf-8"?>
 <p:sld xmlns:a="http://schemas.openxmlformats.org/drawingml/2006/main" xmlns:r="http://schemas.openxmlformats.org/officeDocument/2006/relationships" xmlns:p="http://schemas.openxmlformats.org/presentationml/2006/main">
   <p:cSld>
@@ -4081,7 +4270,7 @@
           <p:cNvPr id="2" name="Title 1">
             <a:extLst>
               <a:ext uri="{FF2B5EF4-FFF2-40B4-BE49-F238E27FC236}">
-                <a16:creationId xmlns:a16="http://schemas.microsoft.com/office/drawing/2014/main" id="{F5AEA3D2-7218-4C79-81A8-901B75CF2C36}"/>
+                <a16:creationId xmlns:a16="http://schemas.microsoft.com/office/drawing/2014/main" id="{C96DC965-60F0-49BE-ABC8-773044D59D35}"/>
               </a:ext>
             </a:extLst>
           </p:cNvPr>
@@ -4100,6 +4289,449 @@
             <a:r>
               <a:rPr lang="en-US" dirty="0"/>
               <a:t>Summary Evaluation (bird’s-eye view)</a:t>
+            </a:r>
+          </a:p>
+        </p:txBody>
+      </p:sp>
+      <p:graphicFrame>
+        <p:nvGraphicFramePr>
+          <p:cNvPr id="5" name="Content Placeholder 4">
+            <a:extLst>
+              <a:ext uri="{FF2B5EF4-FFF2-40B4-BE49-F238E27FC236}">
+                <a16:creationId xmlns:a16="http://schemas.microsoft.com/office/drawing/2014/main" id="{17459005-C743-4D24-BDB2-2F0577F067FA}"/>
+              </a:ext>
+            </a:extLst>
+          </p:cNvPr>
+          <p:cNvGraphicFramePr>
+            <a:graphicFrameLocks noGrp="1"/>
+          </p:cNvGraphicFramePr>
+          <p:nvPr>
+            <p:ph idx="1"/>
+            <p:extLst>
+              <p:ext uri="{D42A27DB-BD31-4B8C-83A1-F6EECF244321}">
+                <p14:modId xmlns:p14="http://schemas.microsoft.com/office/powerpoint/2010/main" val="924784120"/>
+              </p:ext>
+            </p:extLst>
+          </p:nvPr>
+        </p:nvGraphicFramePr>
+        <p:xfrm>
+          <a:off x="838200" y="1846218"/>
+          <a:ext cx="10515600" cy="4423954"/>
+        </p:xfrm>
+        <a:graphic>
+          <a:graphicData uri="http://schemas.openxmlformats.org/drawingml/2006/table">
+            <a:tbl>
+              <a:tblPr firstRow="1" firstCol="1" bandRow="1">
+                <a:tableStyleId>{5C22544A-7EE6-4342-B048-85BDC9FD1C3A}</a:tableStyleId>
+              </a:tblPr>
+              <a:tblGrid>
+                <a:gridCol w="3663807">
+                  <a:extLst>
+                    <a:ext uri="{9D8B030D-6E8A-4147-A177-3AD203B41FA5}">
+                      <a16:colId xmlns:a16="http://schemas.microsoft.com/office/drawing/2014/main" val="88211295"/>
+                    </a:ext>
+                  </a:extLst>
+                </a:gridCol>
+                <a:gridCol w="6851793">
+                  <a:extLst>
+                    <a:ext uri="{9D8B030D-6E8A-4147-A177-3AD203B41FA5}">
+                      <a16:colId xmlns:a16="http://schemas.microsoft.com/office/drawing/2014/main" val="2780084882"/>
+                    </a:ext>
+                  </a:extLst>
+                </a:gridCol>
+              </a:tblGrid>
+              <a:tr h="1624172">
+                <a:tc>
+                  <a:txBody>
+                    <a:bodyPr/>
+                    <a:lstStyle/>
+                    <a:p>
+                      <a:pPr marL="0" marR="0" algn="l" rtl="0">
+                        <a:lnSpc>
+                          <a:spcPct val="115000"/>
+                        </a:lnSpc>
+                        <a:spcBef>
+                          <a:spcPts val="0"/>
+                        </a:spcBef>
+                        <a:spcAft>
+                          <a:spcPts val="1000"/>
+                        </a:spcAft>
+                      </a:pPr>
+                      <a:r>
+                        <a:rPr lang="en-US" sz="3600">
+                          <a:effectLst/>
+                        </a:rPr>
+                        <a:t>Metric Category</a:t>
+                      </a:r>
+                      <a:endParaRPr lang="en-US" sz="3600">
+                        <a:effectLst/>
+                        <a:latin typeface="Calibri" panose="020F0502020204030204" pitchFamily="34" charset="0"/>
+                        <a:ea typeface="Calibri" panose="020F0502020204030204" pitchFamily="34" charset="0"/>
+                        <a:cs typeface="Arial" panose="020B0604020202020204" pitchFamily="34" charset="0"/>
+                      </a:endParaRPr>
+                    </a:p>
+                  </a:txBody>
+                  <a:tcPr marL="68580" marR="68580" marT="0" marB="0"/>
+                </a:tc>
+                <a:tc>
+                  <a:txBody>
+                    <a:bodyPr/>
+                    <a:lstStyle/>
+                    <a:p>
+                      <a:pPr marL="0" marR="0" algn="l" rtl="0">
+                        <a:lnSpc>
+                          <a:spcPct val="115000"/>
+                        </a:lnSpc>
+                        <a:spcBef>
+                          <a:spcPts val="0"/>
+                        </a:spcBef>
+                        <a:spcAft>
+                          <a:spcPts val="1000"/>
+                        </a:spcAft>
+                      </a:pPr>
+                      <a:r>
+                        <a:rPr lang="en-US" sz="3600" dirty="0">
+                          <a:effectLst/>
+                        </a:rPr>
+                        <a:t>Concrete Implemented Metrics</a:t>
+                      </a:r>
+                      <a:endParaRPr lang="en-US" sz="3600" dirty="0">
+                        <a:effectLst/>
+                        <a:latin typeface="Calibri" panose="020F0502020204030204" pitchFamily="34" charset="0"/>
+                        <a:ea typeface="Calibri" panose="020F0502020204030204" pitchFamily="34" charset="0"/>
+                        <a:cs typeface="Arial" panose="020B0604020202020204" pitchFamily="34" charset="0"/>
+                      </a:endParaRPr>
+                    </a:p>
+                  </a:txBody>
+                  <a:tcPr marL="68580" marR="68580" marT="0" marB="0"/>
+                </a:tc>
+                <a:extLst>
+                  <a:ext uri="{0D108BD9-81ED-4DB2-BD59-A6C34878D82A}">
+                    <a16:rowId xmlns:a16="http://schemas.microsoft.com/office/drawing/2014/main" val="2288208268"/>
+                  </a:ext>
+                </a:extLst>
+              </a:tr>
+              <a:tr h="1792115">
+                <a:tc>
+                  <a:txBody>
+                    <a:bodyPr/>
+                    <a:lstStyle/>
+                    <a:p>
+                      <a:pPr marL="0" marR="0" algn="l" rtl="0">
+                        <a:lnSpc>
+                          <a:spcPct val="115000"/>
+                        </a:lnSpc>
+                        <a:spcBef>
+                          <a:spcPts val="0"/>
+                        </a:spcBef>
+                        <a:spcAft>
+                          <a:spcPts val="1000"/>
+                        </a:spcAft>
+                      </a:pPr>
+                      <a:r>
+                        <a:rPr lang="en-US" sz="3600">
+                          <a:effectLst/>
+                        </a:rPr>
+                        <a:t>Informativeness</a:t>
+                      </a:r>
+                      <a:endParaRPr lang="en-US" sz="3600">
+                        <a:effectLst/>
+                        <a:latin typeface="Calibri" panose="020F0502020204030204" pitchFamily="34" charset="0"/>
+                        <a:ea typeface="Calibri" panose="020F0502020204030204" pitchFamily="34" charset="0"/>
+                        <a:cs typeface="Arial" panose="020B0604020202020204" pitchFamily="34" charset="0"/>
+                      </a:endParaRPr>
+                    </a:p>
+                  </a:txBody>
+                  <a:tcPr marL="68580" marR="68580" marT="0" marB="0"/>
+                </a:tc>
+                <a:tc>
+                  <a:txBody>
+                    <a:bodyPr/>
+                    <a:lstStyle/>
+                    <a:p>
+                      <a:pPr marL="342900" marR="0" lvl="0" indent="-342900" algn="l" rtl="0">
+                        <a:lnSpc>
+                          <a:spcPct val="115000"/>
+                        </a:lnSpc>
+                        <a:spcBef>
+                          <a:spcPts val="0"/>
+                        </a:spcBef>
+                        <a:spcAft>
+                          <a:spcPts val="1000"/>
+                        </a:spcAft>
+                        <a:buFont typeface="Symbol" panose="05050102010706020507" pitchFamily="18" charset="2"/>
+                        <a:buChar char=""/>
+                      </a:pPr>
+                      <a:r>
+                        <a:rPr lang="en-US" sz="3600" dirty="0">
+                          <a:effectLst/>
+                        </a:rPr>
+                        <a:t>Rouge Metrics Family</a:t>
+                      </a:r>
+                    </a:p>
+                    <a:p>
+                      <a:pPr marL="342900" marR="0" lvl="0" indent="-342900" algn="l" rtl="0">
+                        <a:lnSpc>
+                          <a:spcPct val="115000"/>
+                        </a:lnSpc>
+                        <a:spcBef>
+                          <a:spcPts val="0"/>
+                        </a:spcBef>
+                        <a:spcAft>
+                          <a:spcPts val="1000"/>
+                        </a:spcAft>
+                        <a:buFont typeface="Symbol" panose="05050102010706020507" pitchFamily="18" charset="2"/>
+                        <a:buChar char=""/>
+                      </a:pPr>
+                      <a:r>
+                        <a:rPr lang="en-US" sz="3600" dirty="0" err="1">
+                          <a:effectLst/>
+                        </a:rPr>
+                        <a:t>AutoSummENG</a:t>
+                      </a:r>
+                      <a:r>
+                        <a:rPr lang="en-US" sz="3600" dirty="0">
+                          <a:effectLst/>
+                        </a:rPr>
+                        <a:t> Metrics</a:t>
+                      </a:r>
+                      <a:endParaRPr lang="en-US" sz="3600" dirty="0">
+                        <a:effectLst/>
+                        <a:latin typeface="Calibri" panose="020F0502020204030204" pitchFamily="34" charset="0"/>
+                        <a:ea typeface="Calibri" panose="020F0502020204030204" pitchFamily="34" charset="0"/>
+                        <a:cs typeface="Arial" panose="020B0604020202020204" pitchFamily="34" charset="0"/>
+                      </a:endParaRPr>
+                    </a:p>
+                  </a:txBody>
+                  <a:tcPr marL="68580" marR="68580" marT="0" marB="0"/>
+                </a:tc>
+                <a:extLst>
+                  <a:ext uri="{0D108BD9-81ED-4DB2-BD59-A6C34878D82A}">
+                    <a16:rowId xmlns:a16="http://schemas.microsoft.com/office/drawing/2014/main" val="12536478"/>
+                  </a:ext>
+                </a:extLst>
+              </a:tr>
+              <a:tr h="1007667">
+                <a:tc>
+                  <a:txBody>
+                    <a:bodyPr/>
+                    <a:lstStyle/>
+                    <a:p>
+                      <a:pPr marL="0" marR="0" algn="l" rtl="0">
+                        <a:lnSpc>
+                          <a:spcPct val="115000"/>
+                        </a:lnSpc>
+                        <a:spcBef>
+                          <a:spcPts val="0"/>
+                        </a:spcBef>
+                        <a:spcAft>
+                          <a:spcPts val="1000"/>
+                        </a:spcAft>
+                      </a:pPr>
+                      <a:r>
+                        <a:rPr lang="en-US" sz="3600">
+                          <a:effectLst/>
+                        </a:rPr>
+                        <a:t>Surface</a:t>
+                      </a:r>
+                      <a:endParaRPr lang="en-US" sz="3600">
+                        <a:effectLst/>
+                        <a:latin typeface="Calibri" panose="020F0502020204030204" pitchFamily="34" charset="0"/>
+                        <a:ea typeface="Calibri" panose="020F0502020204030204" pitchFamily="34" charset="0"/>
+                        <a:cs typeface="Arial" panose="020B0604020202020204" pitchFamily="34" charset="0"/>
+                      </a:endParaRPr>
+                    </a:p>
+                  </a:txBody>
+                  <a:tcPr marL="68580" marR="68580" marT="0" marB="0"/>
+                </a:tc>
+                <a:tc>
+                  <a:txBody>
+                    <a:bodyPr/>
+                    <a:lstStyle/>
+                    <a:p>
+                      <a:pPr marL="342900" marR="0" lvl="0" indent="-342900" algn="l" rtl="0">
+                        <a:lnSpc>
+                          <a:spcPct val="115000"/>
+                        </a:lnSpc>
+                        <a:spcBef>
+                          <a:spcPts val="0"/>
+                        </a:spcBef>
+                        <a:spcAft>
+                          <a:spcPts val="1000"/>
+                        </a:spcAft>
+                        <a:buFont typeface="Symbol" panose="05050102010706020507" pitchFamily="18" charset="2"/>
+                        <a:buChar char=""/>
+                      </a:pPr>
+                      <a:r>
+                        <a:rPr lang="en-US" sz="3600" dirty="0">
+                          <a:effectLst/>
+                        </a:rPr>
+                        <a:t>Various Readability Metrics</a:t>
+                      </a:r>
+                      <a:endParaRPr lang="en-US" sz="3600" dirty="0">
+                        <a:effectLst/>
+                        <a:latin typeface="Calibri" panose="020F0502020204030204" pitchFamily="34" charset="0"/>
+                        <a:ea typeface="Calibri" panose="020F0502020204030204" pitchFamily="34" charset="0"/>
+                        <a:cs typeface="Arial" panose="020B0604020202020204" pitchFamily="34" charset="0"/>
+                      </a:endParaRPr>
+                    </a:p>
+                  </a:txBody>
+                  <a:tcPr marL="68580" marR="68580" marT="0" marB="0"/>
+                </a:tc>
+                <a:extLst>
+                  <a:ext uri="{0D108BD9-81ED-4DB2-BD59-A6C34878D82A}">
+                    <a16:rowId xmlns:a16="http://schemas.microsoft.com/office/drawing/2014/main" val="1885430531"/>
+                  </a:ext>
+                </a:extLst>
+              </a:tr>
+            </a:tbl>
+          </a:graphicData>
+        </a:graphic>
+      </p:graphicFrame>
+    </p:spTree>
+    <p:extLst>
+      <p:ext uri="{BB962C8B-B14F-4D97-AF65-F5344CB8AC3E}">
+        <p14:creationId xmlns:p14="http://schemas.microsoft.com/office/powerpoint/2010/main" val="2133163362"/>
+      </p:ext>
+    </p:extLst>
+  </p:cSld>
+  <p:clrMapOvr>
+    <a:masterClrMapping/>
+  </p:clrMapOvr>
+</p:sld>
+</file>
+
+<file path=ppt/slides/slide8.xml><?xml version="1.0" encoding="utf-8"?>
+<p:sld xmlns:a="http://schemas.openxmlformats.org/drawingml/2006/main" xmlns:r="http://schemas.openxmlformats.org/officeDocument/2006/relationships" xmlns:p="http://schemas.openxmlformats.org/presentationml/2006/main">
+  <p:cSld>
+    <p:spTree>
+      <p:nvGrpSpPr>
+        <p:cNvPr id="1" name=""/>
+        <p:cNvGrpSpPr/>
+        <p:nvPr/>
+      </p:nvGrpSpPr>
+      <p:grpSpPr>
+        <a:xfrm>
+          <a:off x="0" y="0"/>
+          <a:ext cx="0" cy="0"/>
+          <a:chOff x="0" y="0"/>
+          <a:chExt cx="0" cy="0"/>
+        </a:xfrm>
+      </p:grpSpPr>
+      <p:sp>
+        <p:nvSpPr>
+          <p:cNvPr id="2" name="Title 1">
+            <a:extLst>
+              <a:ext uri="{FF2B5EF4-FFF2-40B4-BE49-F238E27FC236}">
+                <a16:creationId xmlns:a16="http://schemas.microsoft.com/office/drawing/2014/main" id="{4C66BD92-2819-4373-9961-4D3015A70634}"/>
+              </a:ext>
+            </a:extLst>
+          </p:cNvPr>
+          <p:cNvSpPr>
+            <a:spLocks noGrp="1"/>
+          </p:cNvSpPr>
+          <p:nvPr>
+            <p:ph type="title"/>
+          </p:nvPr>
+        </p:nvSpPr>
+        <p:spPr/>
+        <p:txBody>
+          <a:bodyPr/>
+          <a:lstStyle/>
+          <a:p>
+            <a:r>
+              <a:rPr lang="en-US" dirty="0"/>
+              <a:t>Text Comparisons</a:t>
+            </a:r>
+          </a:p>
+        </p:txBody>
+      </p:sp>
+      <p:pic>
+        <p:nvPicPr>
+          <p:cNvPr id="4" name="Content Placeholder 3">
+            <a:extLst>
+              <a:ext uri="{FF2B5EF4-FFF2-40B4-BE49-F238E27FC236}">
+                <a16:creationId xmlns:a16="http://schemas.microsoft.com/office/drawing/2014/main" id="{5B63B05F-B0BB-468A-89BA-FC5B1FC435FA}"/>
+              </a:ext>
+            </a:extLst>
+          </p:cNvPr>
+          <p:cNvPicPr>
+            <a:picLocks noGrp="1"/>
+          </p:cNvPicPr>
+          <p:nvPr>
+            <p:ph idx="1"/>
+          </p:nvPr>
+        </p:nvPicPr>
+        <p:blipFill>
+          <a:blip r:embed="rId2"/>
+          <a:stretch>
+            <a:fillRect/>
+          </a:stretch>
+        </p:blipFill>
+        <p:spPr>
+          <a:xfrm>
+            <a:off x="3409950" y="1921714"/>
+            <a:ext cx="5372100" cy="4124325"/>
+          </a:xfrm>
+          <a:prstGeom prst="rect">
+            <a:avLst/>
+          </a:prstGeom>
+        </p:spPr>
+      </p:pic>
+    </p:spTree>
+    <p:extLst>
+      <p:ext uri="{BB962C8B-B14F-4D97-AF65-F5344CB8AC3E}">
+        <p14:creationId xmlns:p14="http://schemas.microsoft.com/office/powerpoint/2010/main" val="2688688173"/>
+      </p:ext>
+    </p:extLst>
+  </p:cSld>
+  <p:clrMapOvr>
+    <a:masterClrMapping/>
+  </p:clrMapOvr>
+</p:sld>
+</file>
+
+<file path=ppt/slides/slide9.xml><?xml version="1.0" encoding="utf-8"?>
+<p:sld xmlns:a="http://schemas.openxmlformats.org/drawingml/2006/main" xmlns:r="http://schemas.openxmlformats.org/officeDocument/2006/relationships" xmlns:p="http://schemas.openxmlformats.org/presentationml/2006/main">
+  <p:cSld>
+    <p:spTree>
+      <p:nvGrpSpPr>
+        <p:cNvPr id="1" name=""/>
+        <p:cNvGrpSpPr/>
+        <p:nvPr/>
+      </p:nvGrpSpPr>
+      <p:grpSpPr>
+        <a:xfrm>
+          <a:off x="0" y="0"/>
+          <a:ext cx="0" cy="0"/>
+          <a:chOff x="0" y="0"/>
+          <a:chExt cx="0" cy="0"/>
+        </a:xfrm>
+      </p:grpSpPr>
+      <p:sp>
+        <p:nvSpPr>
+          <p:cNvPr id="2" name="Title 1">
+            <a:extLst>
+              <a:ext uri="{FF2B5EF4-FFF2-40B4-BE49-F238E27FC236}">
+                <a16:creationId xmlns:a16="http://schemas.microsoft.com/office/drawing/2014/main" id="{F5AEA3D2-7218-4C79-81A8-901B75CF2C36}"/>
+              </a:ext>
+            </a:extLst>
+          </p:cNvPr>
+          <p:cNvSpPr>
+            <a:spLocks noGrp="1"/>
+          </p:cNvSpPr>
+          <p:nvPr>
+            <p:ph type="title"/>
+          </p:nvPr>
+        </p:nvSpPr>
+        <p:spPr/>
+        <p:txBody>
+          <a:bodyPr/>
+          <a:lstStyle/>
+          <a:p>
+            <a:r>
+              <a:rPr lang="en-US" dirty="0"/>
+              <a:t>Summary Evaluation (“Informativeness”)</a:t>
             </a:r>
           </a:p>
         </p:txBody>
@@ -4128,10 +4760,9 @@
               <a:lstStyle/>
               <a:p>
                 <a:r>
-                  <a:rPr lang="en-US"/>
+                  <a:rPr lang="en-US" dirty="0"/>
                   <a:t>Human Judgement</a:t>
                 </a:r>
-                <a:endParaRPr lang="en-US" dirty="0"/>
               </a:p>
               <a:p>
                 <a:pPr lvl="1"/>
@@ -4153,18 +4784,24 @@
                     <m:sSub>
                       <m:sSubPr>
                         <m:ctrlPr>
-                          <a:rPr lang="en-US" i="1"/>
+                          <a:rPr lang="en-US" i="1">
+                            <a:latin typeface="Cambria Math" panose="02040503050406030204" pitchFamily="18" charset="0"/>
+                          </a:rPr>
                         </m:ctrlPr>
                       </m:sSubPr>
                       <m:e>
                         <m:r>
-                          <a:rPr lang="en-US" i="1"/>
+                          <a:rPr lang="en-US" i="1">
+                            <a:latin typeface="Cambria Math" panose="02040503050406030204" pitchFamily="18" charset="0"/>
+                          </a:rPr>
                           <m:t>𝑓</m:t>
                         </m:r>
                       </m:e>
                       <m:sub>
                         <m:r>
-                          <a:rPr lang="en-US" i="1"/>
+                          <a:rPr lang="en-US" i="1">
+                            <a:latin typeface="Cambria Math" panose="02040503050406030204" pitchFamily="18" charset="0"/>
+                          </a:rPr>
                           <m:t>𝑚𝑒𝑡𝑟𝑖𝑐</m:t>
                         </m:r>
                       </m:sub>
@@ -4172,71 +4809,95 @@
                     <m:d>
                       <m:dPr>
                         <m:ctrlPr>
-                          <a:rPr lang="en-US" i="1"/>
+                          <a:rPr lang="en-US" i="1">
+                            <a:latin typeface="Cambria Math" panose="02040503050406030204" pitchFamily="18" charset="0"/>
+                          </a:rPr>
                         </m:ctrlPr>
                       </m:dPr>
                       <m:e>
                         <m:sSub>
                           <m:sSubPr>
                             <m:ctrlPr>
-                              <a:rPr lang="en-US" i="1"/>
+                              <a:rPr lang="en-US" i="1">
+                                <a:latin typeface="Cambria Math" panose="02040503050406030204" pitchFamily="18" charset="0"/>
+                              </a:rPr>
                             </m:ctrlPr>
                           </m:sSubPr>
                           <m:e>
                             <m:r>
-                              <a:rPr lang="en-US" i="1"/>
+                              <a:rPr lang="en-US" i="1">
+                                <a:latin typeface="Cambria Math" panose="02040503050406030204" pitchFamily="18" charset="0"/>
+                              </a:rPr>
                               <m:t>𝑇𝑒𝑥𝑡</m:t>
                             </m:r>
                           </m:e>
                           <m:sub>
                             <m:r>
-                              <a:rPr lang="en-US" i="1"/>
+                              <a:rPr lang="en-US" i="1">
+                                <a:latin typeface="Cambria Math" panose="02040503050406030204" pitchFamily="18" charset="0"/>
+                              </a:rPr>
                               <m:t>𝑥</m:t>
                             </m:r>
                           </m:sub>
                         </m:sSub>
                         <m:r>
-                          <a:rPr lang="en-US" i="1"/>
+                          <a:rPr lang="en-US" i="1">
+                            <a:latin typeface="Cambria Math" panose="02040503050406030204" pitchFamily="18" charset="0"/>
+                          </a:rPr>
                           <m:t>, </m:t>
                         </m:r>
                         <m:sSub>
                           <m:sSubPr>
                             <m:ctrlPr>
-                              <a:rPr lang="en-US" i="1"/>
+                              <a:rPr lang="en-US" i="1">
+                                <a:latin typeface="Cambria Math" panose="02040503050406030204" pitchFamily="18" charset="0"/>
+                              </a:rPr>
                             </m:ctrlPr>
                           </m:sSubPr>
                           <m:e>
                             <m:r>
-                              <a:rPr lang="en-US" i="1"/>
+                              <a:rPr lang="en-US" i="1">
+                                <a:latin typeface="Cambria Math" panose="02040503050406030204" pitchFamily="18" charset="0"/>
+                              </a:rPr>
                               <m:t>𝑃</m:t>
                             </m:r>
                           </m:e>
                           <m:sub>
                             <m:r>
-                              <a:rPr lang="en-US" i="1"/>
+                              <a:rPr lang="en-US" i="1">
+                                <a:latin typeface="Cambria Math" panose="02040503050406030204" pitchFamily="18" charset="0"/>
+                              </a:rPr>
                               <m:t>1</m:t>
                             </m:r>
                           </m:sub>
                         </m:sSub>
                         <m:r>
-                          <a:rPr lang="en-US" i="1"/>
+                          <a:rPr lang="en-US" i="1">
+                            <a:latin typeface="Cambria Math" panose="02040503050406030204" pitchFamily="18" charset="0"/>
+                          </a:rPr>
                           <m:t>,…, </m:t>
                         </m:r>
                         <m:sSub>
                           <m:sSubPr>
                             <m:ctrlPr>
-                              <a:rPr lang="en-US" i="1"/>
+                              <a:rPr lang="en-US" i="1">
+                                <a:latin typeface="Cambria Math" panose="02040503050406030204" pitchFamily="18" charset="0"/>
+                              </a:rPr>
                             </m:ctrlPr>
                           </m:sSubPr>
                           <m:e>
                             <m:r>
-                              <a:rPr lang="en-US" i="1"/>
+                              <a:rPr lang="en-US" i="1">
+                                <a:latin typeface="Cambria Math" panose="02040503050406030204" pitchFamily="18" charset="0"/>
+                              </a:rPr>
                               <m:t>𝑃</m:t>
                             </m:r>
                           </m:e>
                           <m:sub>
                             <m:r>
-                              <a:rPr lang="en-US" i="1"/>
+                              <a:rPr lang="en-US" i="1">
+                                <a:latin typeface="Cambria Math" panose="02040503050406030204" pitchFamily="18" charset="0"/>
+                              </a:rPr>
                               <m:t>𝑛</m:t>
                             </m:r>
                           </m:sub>
@@ -4244,28 +4905,39 @@
                       </m:e>
                     </m:d>
                     <m:r>
-                      <a:rPr lang="en-US" i="1"/>
+                      <a:rPr lang="en-US" i="1">
+                        <a:latin typeface="Cambria Math" panose="02040503050406030204" pitchFamily="18" charset="0"/>
+                      </a:rPr>
                       <m:t>→</m:t>
                     </m:r>
                     <m:r>
-                      <a:rPr lang="en-US" i="1"/>
+                      <a:rPr lang="en-US" i="1">
+                        <a:latin typeface="Cambria Math" panose="02040503050406030204" pitchFamily="18" charset="0"/>
+                      </a:rPr>
                       <m:t>𝑠𝑐𝑜𝑟𝑒</m:t>
                     </m:r>
                     <m:r>
-                      <a:rPr lang="en-US" i="1"/>
+                      <a:rPr lang="en-US" i="1">
+                        <a:latin typeface="Cambria Math" panose="02040503050406030204" pitchFamily="18" charset="0"/>
+                      </a:rPr>
                       <m:t>∈</m:t>
                     </m:r>
                     <m:r>
-                      <a:rPr lang="en-US" i="1"/>
+                      <a:rPr lang="en-US" i="1">
+                        <a:latin typeface="Cambria Math" panose="02040503050406030204" pitchFamily="18" charset="0"/>
+                      </a:rPr>
                       <m:t>𝑅</m:t>
-                    </m:r>
-                    <m:r>
-                      <a:rPr lang="en-US" i="1"/>
-                      <m:t> </m:t>
                     </m:r>
                   </m:oMath>
                 </a14:m>
                 <a:endParaRPr lang="en-US" dirty="0"/>
+              </a:p>
+              <a:p>
+                <a:pPr lvl="1"/>
+                <a:r>
+                  <a:rPr lang="en-US" dirty="0"/>
+                  <a:t>In general, based on Text Comparisons of the Summary to Golden Summary(s) [which are human based]</a:t>
+                </a:r>
               </a:p>
               <a:p>
                 <a:r>
@@ -4277,7 +4949,7 @@
                 <a:pPr lvl="1"/>
                 <a:r>
                   <a:rPr lang="en-US" dirty="0"/>
-                  <a:t>Good metric [of informativeness] is a one that have statistical correlation to human</a:t>
+                  <a:t>Good metric is a one that have statistical correlation to human</a:t>
                 </a:r>
               </a:p>
               <a:p>
@@ -4307,7 +4979,7 @@
               <a:blipFill>
                 <a:blip r:embed="rId2"/>
                 <a:stretch>
-                  <a:fillRect l="-1043" t="-2241"/>
+                  <a:fillRect l="-1043" t="-2241" r="-1449"/>
                 </a:stretch>
               </a:blipFill>
             </p:spPr>

--- a/docs/Summary Evaluation Platform.pptx
+++ b/docs/Summary Evaluation Platform.pptx
@@ -16,6 +16,8 @@
     <p:sldId id="262" r:id="rId10"/>
     <p:sldId id="265" r:id="rId11"/>
     <p:sldId id="266" r:id="rId12"/>
+    <p:sldId id="267" r:id="rId13"/>
+    <p:sldId id="268" r:id="rId14"/>
   </p:sldIdLst>
   <p:sldSz cx="12192000" cy="6858000"/>
   <p:notesSz cx="6858000" cy="9144000"/>
@@ -269,7 +271,7 @@
           <a:p>
             <a:fld id="{AE72E4A3-5144-40B6-93C7-11BD6FD0ECF5}" type="datetimeFigureOut">
               <a:rPr lang="en-US" smtClean="0"/>
-              <a:t>11/5/2019</a:t>
+              <a:t>11/7/2019</a:t>
             </a:fld>
             <a:endParaRPr lang="en-US"/>
           </a:p>
@@ -467,7 +469,7 @@
           <a:p>
             <a:fld id="{AE72E4A3-5144-40B6-93C7-11BD6FD0ECF5}" type="datetimeFigureOut">
               <a:rPr lang="en-US" smtClean="0"/>
-              <a:t>11/5/2019</a:t>
+              <a:t>11/7/2019</a:t>
             </a:fld>
             <a:endParaRPr lang="en-US"/>
           </a:p>
@@ -675,7 +677,7 @@
           <a:p>
             <a:fld id="{AE72E4A3-5144-40B6-93C7-11BD6FD0ECF5}" type="datetimeFigureOut">
               <a:rPr lang="en-US" smtClean="0"/>
-              <a:t>11/5/2019</a:t>
+              <a:t>11/7/2019</a:t>
             </a:fld>
             <a:endParaRPr lang="en-US"/>
           </a:p>
@@ -873,7 +875,7 @@
           <a:p>
             <a:fld id="{AE72E4A3-5144-40B6-93C7-11BD6FD0ECF5}" type="datetimeFigureOut">
               <a:rPr lang="en-US" smtClean="0"/>
-              <a:t>11/5/2019</a:t>
+              <a:t>11/7/2019</a:t>
             </a:fld>
             <a:endParaRPr lang="en-US"/>
           </a:p>
@@ -1148,7 +1150,7 @@
           <a:p>
             <a:fld id="{AE72E4A3-5144-40B6-93C7-11BD6FD0ECF5}" type="datetimeFigureOut">
               <a:rPr lang="en-US" smtClean="0"/>
-              <a:t>11/5/2019</a:t>
+              <a:t>11/7/2019</a:t>
             </a:fld>
             <a:endParaRPr lang="en-US"/>
           </a:p>
@@ -1413,7 +1415,7 @@
           <a:p>
             <a:fld id="{AE72E4A3-5144-40B6-93C7-11BD6FD0ECF5}" type="datetimeFigureOut">
               <a:rPr lang="en-US" smtClean="0"/>
-              <a:t>11/5/2019</a:t>
+              <a:t>11/7/2019</a:t>
             </a:fld>
             <a:endParaRPr lang="en-US"/>
           </a:p>
@@ -1825,7 +1827,7 @@
           <a:p>
             <a:fld id="{AE72E4A3-5144-40B6-93C7-11BD6FD0ECF5}" type="datetimeFigureOut">
               <a:rPr lang="en-US" smtClean="0"/>
-              <a:t>11/5/2019</a:t>
+              <a:t>11/7/2019</a:t>
             </a:fld>
             <a:endParaRPr lang="en-US"/>
           </a:p>
@@ -1966,7 +1968,7 @@
           <a:p>
             <a:fld id="{AE72E4A3-5144-40B6-93C7-11BD6FD0ECF5}" type="datetimeFigureOut">
               <a:rPr lang="en-US" smtClean="0"/>
-              <a:t>11/5/2019</a:t>
+              <a:t>11/7/2019</a:t>
             </a:fld>
             <a:endParaRPr lang="en-US"/>
           </a:p>
@@ -2079,7 +2081,7 @@
           <a:p>
             <a:fld id="{AE72E4A3-5144-40B6-93C7-11BD6FD0ECF5}" type="datetimeFigureOut">
               <a:rPr lang="en-US" smtClean="0"/>
-              <a:t>11/5/2019</a:t>
+              <a:t>11/7/2019</a:t>
             </a:fld>
             <a:endParaRPr lang="en-US"/>
           </a:p>
@@ -2390,7 +2392,7 @@
           <a:p>
             <a:fld id="{AE72E4A3-5144-40B6-93C7-11BD6FD0ECF5}" type="datetimeFigureOut">
               <a:rPr lang="en-US" smtClean="0"/>
-              <a:t>11/5/2019</a:t>
+              <a:t>11/7/2019</a:t>
             </a:fld>
             <a:endParaRPr lang="en-US"/>
           </a:p>
@@ -2678,7 +2680,7 @@
           <a:p>
             <a:fld id="{AE72E4A3-5144-40B6-93C7-11BD6FD0ECF5}" type="datetimeFigureOut">
               <a:rPr lang="en-US" smtClean="0"/>
-              <a:t>11/5/2019</a:t>
+              <a:t>11/7/2019</a:t>
             </a:fld>
             <a:endParaRPr lang="en-US"/>
           </a:p>
@@ -2919,7 +2921,7 @@
           <a:p>
             <a:fld id="{AE72E4A3-5144-40B6-93C7-11BD6FD0ECF5}" type="datetimeFigureOut">
               <a:rPr lang="en-US" smtClean="0"/>
-              <a:t>11/5/2019</a:t>
+              <a:t>11/7/2019</a:t>
             </a:fld>
             <a:endParaRPr lang="en-US"/>
           </a:p>
@@ -3495,17 +3497,12 @@
             </a:r>
             <a:r>
               <a:rPr lang="en-US" i="1" u="sng" dirty="0"/>
-              <a:t>show the summarizer </a:t>
-            </a:r>
-            <a:r>
-              <a:rPr lang="en-US" i="1" u="sng"/>
-              <a:t>behavior aspects</a:t>
-            </a:r>
-            <a:r>
-              <a:rPr lang="en-US" i="1"/>
+              <a:t>show the summarizer behavior aspects</a:t>
+            </a:r>
+            <a:r>
+              <a:rPr lang="en-US" i="1" dirty="0"/>
               <a:t>.</a:t>
             </a:r>
-            <a:endParaRPr lang="en-US" i="1" dirty="0"/>
           </a:p>
         </p:txBody>
       </p:sp>
@@ -3560,32 +3557,87 @@
           <a:bodyPr/>
           <a:lstStyle/>
           <a:p>
+            <a:r>
+              <a:rPr lang="en-US" dirty="0"/>
+              <a:t>Informativeness Implemented Metrics</a:t>
+            </a:r>
+          </a:p>
+        </p:txBody>
+      </p:sp>
+      <p:sp>
+        <p:nvSpPr>
+          <p:cNvPr id="3" name="Content Placeholder 2">
+            <a:extLst>
+              <a:ext uri="{FF2B5EF4-FFF2-40B4-BE49-F238E27FC236}">
+                <a16:creationId xmlns:a16="http://schemas.microsoft.com/office/drawing/2014/main" id="{A3AE9A20-024F-4B4E-924B-ADC604B88D02}"/>
+              </a:ext>
+            </a:extLst>
+          </p:cNvPr>
+          <p:cNvSpPr>
+            <a:spLocks noGrp="1"/>
+          </p:cNvSpPr>
+          <p:nvPr>
+            <p:ph idx="1"/>
+          </p:nvPr>
+        </p:nvSpPr>
+        <p:spPr/>
+        <p:txBody>
+          <a:bodyPr/>
+          <a:lstStyle/>
+          <a:p>
+            <a:r>
+              <a:rPr lang="en-US" dirty="0"/>
+              <a:t>Rouge Family (Perl “ported” code)</a:t>
+            </a:r>
+          </a:p>
+          <a:p>
+            <a:pPr lvl="1"/>
+            <a:r>
+              <a:rPr lang="en-US" dirty="0"/>
+              <a:t>Rouge N</a:t>
+            </a:r>
+          </a:p>
+          <a:p>
+            <a:pPr lvl="1"/>
+            <a:r>
+              <a:rPr lang="en-US" dirty="0"/>
+              <a:t>Rouge S(U)</a:t>
+            </a:r>
+          </a:p>
+          <a:p>
+            <a:pPr lvl="1"/>
+            <a:r>
+              <a:rPr lang="en-US" dirty="0"/>
+              <a:t>Rouge L</a:t>
+            </a:r>
+          </a:p>
+          <a:p>
+            <a:r>
+              <a:rPr lang="en-US" dirty="0" err="1"/>
+              <a:t>AutoSummENG</a:t>
+            </a:r>
+            <a:r>
+              <a:rPr lang="en-US" dirty="0"/>
+              <a:t> (Reuse of the original package)</a:t>
+            </a:r>
+          </a:p>
+          <a:p>
+            <a:pPr lvl="1"/>
+            <a:r>
+              <a:rPr lang="en-US" dirty="0"/>
+              <a:t>Words</a:t>
+            </a:r>
+          </a:p>
+          <a:p>
+            <a:pPr lvl="1"/>
+            <a:r>
+              <a:rPr lang="en-US" dirty="0"/>
+              <a:t>Characters</a:t>
+            </a:r>
+          </a:p>
+          <a:p>
+            <a:pPr lvl="1"/>
             <a:endParaRPr lang="en-US" dirty="0"/>
-          </a:p>
-        </p:txBody>
-      </p:sp>
-      <p:sp>
-        <p:nvSpPr>
-          <p:cNvPr id="3" name="Content Placeholder 2">
-            <a:extLst>
-              <a:ext uri="{FF2B5EF4-FFF2-40B4-BE49-F238E27FC236}">
-                <a16:creationId xmlns:a16="http://schemas.microsoft.com/office/drawing/2014/main" id="{A3AE9A20-024F-4B4E-924B-ADC604B88D02}"/>
-              </a:ext>
-            </a:extLst>
-          </p:cNvPr>
-          <p:cNvSpPr>
-            <a:spLocks noGrp="1"/>
-          </p:cNvSpPr>
-          <p:nvPr>
-            <p:ph idx="1"/>
-          </p:nvPr>
-        </p:nvSpPr>
-        <p:spPr/>
-        <p:txBody>
-          <a:bodyPr/>
-          <a:lstStyle/>
-          <a:p>
-            <a:endParaRPr lang="en-US"/>
           </a:p>
         </p:txBody>
       </p:sp>
@@ -3593,6 +3645,774 @@
     <p:extLst>
       <p:ext uri="{BB962C8B-B14F-4D97-AF65-F5344CB8AC3E}">
         <p14:creationId xmlns:p14="http://schemas.microsoft.com/office/powerpoint/2010/main" val="1458754333"/>
+      </p:ext>
+    </p:extLst>
+  </p:cSld>
+  <p:clrMapOvr>
+    <a:masterClrMapping/>
+  </p:clrMapOvr>
+</p:sld>
+</file>
+
+<file path=ppt/slides/slide12.xml><?xml version="1.0" encoding="utf-8"?>
+<p:sld xmlns:a="http://schemas.openxmlformats.org/drawingml/2006/main" xmlns:r="http://schemas.openxmlformats.org/officeDocument/2006/relationships" xmlns:p="http://schemas.openxmlformats.org/presentationml/2006/main">
+  <p:cSld>
+    <p:spTree>
+      <p:nvGrpSpPr>
+        <p:cNvPr id="1" name=""/>
+        <p:cNvGrpSpPr/>
+        <p:nvPr/>
+      </p:nvGrpSpPr>
+      <p:grpSpPr>
+        <a:xfrm>
+          <a:off x="0" y="0"/>
+          <a:ext cx="0" cy="0"/>
+          <a:chOff x="0" y="0"/>
+          <a:chExt cx="0" cy="0"/>
+        </a:xfrm>
+      </p:grpSpPr>
+      <p:sp>
+        <p:nvSpPr>
+          <p:cNvPr id="2" name="Title 1">
+            <a:extLst>
+              <a:ext uri="{FF2B5EF4-FFF2-40B4-BE49-F238E27FC236}">
+                <a16:creationId xmlns:a16="http://schemas.microsoft.com/office/drawing/2014/main" id="{D19DF09D-DF0D-4B94-8CF6-A9AB074544F2}"/>
+              </a:ext>
+            </a:extLst>
+          </p:cNvPr>
+          <p:cNvSpPr>
+            <a:spLocks noGrp="1"/>
+          </p:cNvSpPr>
+          <p:nvPr>
+            <p:ph type="title"/>
+          </p:nvPr>
+        </p:nvSpPr>
+        <p:spPr/>
+        <p:txBody>
+          <a:bodyPr/>
+          <a:lstStyle/>
+          <a:p>
+            <a:r>
+              <a:rPr lang="en-US" dirty="0"/>
+              <a:t>Surface (Readability) Implemented Metrics</a:t>
+            </a:r>
+          </a:p>
+        </p:txBody>
+      </p:sp>
+      <mc:AlternateContent xmlns:mc="http://schemas.openxmlformats.org/markup-compatibility/2006">
+        <mc:Choice xmlns:a14="http://schemas.microsoft.com/office/drawing/2010/main" Requires="a14">
+          <p:sp>
+            <p:nvSpPr>
+              <p:cNvPr id="3" name="Content Placeholder 2">
+                <a:extLst>
+                  <a:ext uri="{FF2B5EF4-FFF2-40B4-BE49-F238E27FC236}">
+                    <a16:creationId xmlns:a16="http://schemas.microsoft.com/office/drawing/2014/main" id="{8B732C07-ADC2-4B48-BBF5-B479C53D224E}"/>
+                  </a:ext>
+                </a:extLst>
+              </p:cNvPr>
+              <p:cNvSpPr>
+                <a:spLocks noGrp="1"/>
+              </p:cNvSpPr>
+              <p:nvPr>
+                <p:ph idx="1"/>
+              </p:nvPr>
+            </p:nvSpPr>
+            <p:spPr/>
+            <p:txBody>
+              <a:bodyPr>
+                <a:normAutofit fontScale="92500" lnSpcReduction="10000"/>
+              </a:bodyPr>
+              <a:lstStyle/>
+              <a:p>
+                <a:pPr lvl="0"/>
+                <a:r>
+                  <a:rPr lang="en-US" dirty="0"/>
+                  <a:t>Flesch Reading Ease (FRE)</a:t>
+                </a:r>
+              </a:p>
+              <a:p>
+                <a:pPr lvl="1"/>
+                <a14:m>
+                  <m:oMath xmlns:m="http://schemas.openxmlformats.org/officeDocument/2006/math">
+                    <m:r>
+                      <a:rPr lang="en-US" i="1"/>
+                      <m:t>𝐹𝑅𝐸</m:t>
+                    </m:r>
+                    <m:r>
+                      <a:rPr lang="en-US" i="1"/>
+                      <m:t>=206.825−1.015</m:t>
+                    </m:r>
+                    <m:f>
+                      <m:fPr>
+                        <m:ctrlPr>
+                          <a:rPr lang="en-US" i="1"/>
+                        </m:ctrlPr>
+                      </m:fPr>
+                      <m:num>
+                        <m:r>
+                          <a:rPr lang="en-US" i="1"/>
+                          <m:t>#(</m:t>
+                        </m:r>
+                        <m:r>
+                          <a:rPr lang="en-US" i="1"/>
+                          <m:t>𝑤𝑜𝑟𝑑𝑠</m:t>
+                        </m:r>
+                        <m:r>
+                          <a:rPr lang="en-US" i="1"/>
+                          <m:t>)</m:t>
+                        </m:r>
+                      </m:num>
+                      <m:den>
+                        <m:r>
+                          <a:rPr lang="en-US" i="1"/>
+                          <m:t>#(</m:t>
+                        </m:r>
+                        <m:r>
+                          <a:rPr lang="en-US" i="1"/>
+                          <m:t>𝑠𝑒𝑛𝑡𝑒𝑛𝑐𝑒</m:t>
+                        </m:r>
+                        <m:r>
+                          <a:rPr lang="en-US" i="1"/>
+                          <m:t>)</m:t>
+                        </m:r>
+                      </m:den>
+                    </m:f>
+                    <m:r>
+                      <a:rPr lang="en-US" i="1"/>
+                      <m:t>−84.6</m:t>
+                    </m:r>
+                    <m:f>
+                      <m:fPr>
+                        <m:ctrlPr>
+                          <a:rPr lang="en-US" i="1"/>
+                        </m:ctrlPr>
+                      </m:fPr>
+                      <m:num>
+                        <m:r>
+                          <a:rPr lang="en-US" i="1"/>
+                          <m:t>#(</m:t>
+                        </m:r>
+                        <m:r>
+                          <a:rPr lang="en-US" i="1"/>
+                          <m:t>𝑠𝑦𝑙𝑙𝑎𝑏𝑙𝑒𝑠</m:t>
+                        </m:r>
+                        <m:r>
+                          <a:rPr lang="en-US" i="1"/>
+                          <m:t>)</m:t>
+                        </m:r>
+                      </m:num>
+                      <m:den>
+                        <m:r>
+                          <a:rPr lang="en-US" i="1"/>
+                          <m:t>#(</m:t>
+                        </m:r>
+                        <m:r>
+                          <a:rPr lang="en-US" i="1"/>
+                          <m:t>𝑤𝑜𝑟𝑑𝑠</m:t>
+                        </m:r>
+                        <m:r>
+                          <a:rPr lang="en-US" i="1"/>
+                          <m:t>)</m:t>
+                        </m:r>
+                      </m:den>
+                    </m:f>
+                  </m:oMath>
+                </a14:m>
+                <a:r>
+                  <a:rPr lang="en-US" dirty="0"/>
+                  <a:t> </a:t>
+                </a:r>
+              </a:p>
+              <a:p>
+                <a:pPr lvl="1"/>
+                <a:r>
+                  <a:rPr lang="en-US" dirty="0"/>
+                  <a:t>The idea of this metric is that the long sentences and/or long words are hard to read.</a:t>
+                </a:r>
+              </a:p>
+              <a:p>
+                <a:pPr lvl="0"/>
+                <a:r>
+                  <a:rPr lang="en-US" dirty="0"/>
+                  <a:t>Word Variation Index (OVIX)</a:t>
+                </a:r>
+              </a:p>
+              <a:p>
+                <a:pPr lvl="1"/>
+                <a14:m>
+                  <m:oMath xmlns:m="http://schemas.openxmlformats.org/officeDocument/2006/math">
+                    <m:r>
+                      <a:rPr lang="en-US" i="1"/>
+                      <m:t>𝑂𝑉𝐼𝑋</m:t>
+                    </m:r>
+                    <m:r>
+                      <a:rPr lang="en-US" i="1"/>
+                      <m:t>=</m:t>
+                    </m:r>
+                    <m:f>
+                      <m:fPr>
+                        <m:ctrlPr>
+                          <a:rPr lang="en-US" i="1"/>
+                        </m:ctrlPr>
+                      </m:fPr>
+                      <m:num>
+                        <m:r>
+                          <m:rPr>
+                            <m:sty m:val="p"/>
+                          </m:rPr>
+                          <a:rPr lang="en-US"/>
+                          <m:t>log</m:t>
+                        </m:r>
+                        <m:r>
+                          <a:rPr lang="en-US" i="1"/>
+                          <m:t>(#</m:t>
+                        </m:r>
+                        <m:r>
+                          <a:rPr lang="en-US" i="1"/>
+                          <m:t>𝑤𝑜𝑟𝑑𝑠</m:t>
+                        </m:r>
+                        <m:r>
+                          <a:rPr lang="en-US" i="1"/>
+                          <m:t>)</m:t>
+                        </m:r>
+                      </m:num>
+                      <m:den>
+                        <m:r>
+                          <m:rPr>
+                            <m:sty m:val="p"/>
+                          </m:rPr>
+                          <a:rPr lang="en-US"/>
+                          <m:t>log</m:t>
+                        </m:r>
+                        <m:r>
+                          <a:rPr lang="en-US" i="1"/>
+                          <m:t>(2−</m:t>
+                        </m:r>
+                        <m:f>
+                          <m:fPr>
+                            <m:type m:val="skw"/>
+                            <m:ctrlPr>
+                              <a:rPr lang="en-US" i="1"/>
+                            </m:ctrlPr>
+                          </m:fPr>
+                          <m:num>
+                            <m:r>
+                              <m:rPr>
+                                <m:sty m:val="p"/>
+                              </m:rPr>
+                              <a:rPr lang="en-US"/>
+                              <m:t>log</m:t>
+                            </m:r>
+                            <m:r>
+                              <a:rPr lang="en-US" i="1"/>
+                              <m:t>(#</m:t>
+                            </m:r>
+                            <m:r>
+                              <a:rPr lang="en-US" i="1"/>
+                              <m:t>𝑤𝑜𝑟𝑑𝑠</m:t>
+                            </m:r>
+                            <m:r>
+                              <a:rPr lang="en-US" i="1"/>
+                              <m:t>)</m:t>
+                            </m:r>
+                          </m:num>
+                          <m:den>
+                            <m:r>
+                              <m:rPr>
+                                <m:sty m:val="p"/>
+                              </m:rPr>
+                              <a:rPr lang="en-US"/>
+                              <m:t>log</m:t>
+                            </m:r>
+                            <m:r>
+                              <a:rPr lang="en-US" i="1"/>
+                              <m:t>(#</m:t>
+                            </m:r>
+                            <m:r>
+                              <a:rPr lang="en-US" i="1"/>
+                              <m:t>𝑢𝑛𝑖𝑞𝑢𝑒</m:t>
+                            </m:r>
+                            <m:r>
+                              <a:rPr lang="en-US" i="1"/>
+                              <m:t>_</m:t>
+                            </m:r>
+                            <m:r>
+                              <a:rPr lang="en-US" i="1"/>
+                              <m:t>𝑤𝑜𝑟𝑑𝑠</m:t>
+                            </m:r>
+                            <m:r>
+                              <a:rPr lang="en-US" i="1"/>
+                              <m:t>)</m:t>
+                            </m:r>
+                          </m:den>
+                        </m:f>
+                        <m:r>
+                          <a:rPr lang="en-US" i="1"/>
+                          <m:t>)</m:t>
+                        </m:r>
+                      </m:den>
+                    </m:f>
+                  </m:oMath>
+                </a14:m>
+                <a:r>
+                  <a:rPr lang="en-US" dirty="0"/>
+                  <a:t> </a:t>
+                </a:r>
+              </a:p>
+              <a:p>
+                <a:pPr lvl="1"/>
+                <a:r>
+                  <a:rPr lang="en-US" dirty="0"/>
+                  <a:t>It is assumed that the metric could measure the idea of the text.</a:t>
+                </a:r>
+              </a:p>
+              <a:p>
+                <a:pPr lvl="0"/>
+                <a:r>
+                  <a:rPr lang="en-US" dirty="0"/>
+                  <a:t>Proper Noun Ration (PNR)</a:t>
+                </a:r>
+              </a:p>
+              <a:p>
+                <a:pPr lvl="1"/>
+                <a14:m>
+                  <m:oMath xmlns:m="http://schemas.openxmlformats.org/officeDocument/2006/math">
+                    <m:r>
+                      <a:rPr lang="en-US" i="1"/>
+                      <m:t>𝑃𝑁𝑅</m:t>
+                    </m:r>
+                    <m:r>
+                      <a:rPr lang="en-US" i="1"/>
+                      <m:t>=</m:t>
+                    </m:r>
+                    <m:f>
+                      <m:fPr>
+                        <m:ctrlPr>
+                          <a:rPr lang="en-US" i="1"/>
+                        </m:ctrlPr>
+                      </m:fPr>
+                      <m:num>
+                        <m:r>
+                          <a:rPr lang="en-US" i="1"/>
+                          <m:t>#</m:t>
+                        </m:r>
+                        <m:r>
+                          <a:rPr lang="en-US" i="1"/>
+                          <m:t>𝑝𝑟𝑜𝑝𝑒𝑟</m:t>
+                        </m:r>
+                        <m:r>
+                          <a:rPr lang="en-US" i="1"/>
+                          <m:t>_</m:t>
+                        </m:r>
+                        <m:r>
+                          <a:rPr lang="en-US" i="1"/>
+                          <m:t>𝑛𝑜𝑢𝑛𝑠</m:t>
+                        </m:r>
+                      </m:num>
+                      <m:den>
+                        <m:r>
+                          <a:rPr lang="en-US" i="1"/>
+                          <m:t>#</m:t>
+                        </m:r>
+                        <m:r>
+                          <a:rPr lang="en-US" i="1"/>
+                          <m:t>𝑤𝑜𝑟𝑑𝑠</m:t>
+                        </m:r>
+                      </m:den>
+                    </m:f>
+                  </m:oMath>
+                </a14:m>
+                <a:r>
+                  <a:rPr lang="en-US" dirty="0"/>
+                  <a:t> </a:t>
+                </a:r>
+              </a:p>
+              <a:p>
+                <a:pPr lvl="1"/>
+                <a:r>
+                  <a:rPr lang="en-US" dirty="0"/>
+                  <a:t>The reason for this measurement is that the number of proper nouns should increase the readability.</a:t>
+                </a:r>
+              </a:p>
+              <a:p>
+                <a:pPr marL="0" indent="0">
+                  <a:buNone/>
+                </a:pPr>
+                <a:endParaRPr lang="en-US" dirty="0"/>
+              </a:p>
+            </p:txBody>
+          </p:sp>
+        </mc:Choice>
+        <mc:Fallback>
+          <p:sp>
+            <p:nvSpPr>
+              <p:cNvPr id="3" name="Content Placeholder 2">
+                <a:extLst>
+                  <a:ext uri="{FF2B5EF4-FFF2-40B4-BE49-F238E27FC236}">
+                    <a16:creationId xmlns:a16="http://schemas.microsoft.com/office/drawing/2014/main" id="{8B732C07-ADC2-4B48-BBF5-B479C53D224E}"/>
+                  </a:ext>
+                </a:extLst>
+              </p:cNvPr>
+              <p:cNvSpPr>
+                <a:spLocks noGrp="1" noRot="1" noChangeAspect="1" noMove="1" noResize="1" noEditPoints="1" noAdjustHandles="1" noChangeArrowheads="1" noChangeShapeType="1" noTextEdit="1"/>
+              </p:cNvSpPr>
+              <p:nvPr>
+                <p:ph idx="1"/>
+              </p:nvPr>
+            </p:nvSpPr>
+            <p:spPr>
+              <a:blipFill>
+                <a:blip r:embed="rId2"/>
+                <a:stretch>
+                  <a:fillRect l="-928" t="-2801" r="-348"/>
+                </a:stretch>
+              </a:blipFill>
+            </p:spPr>
+            <p:txBody>
+              <a:bodyPr/>
+              <a:lstStyle/>
+              <a:p>
+                <a:r>
+                  <a:rPr lang="en-US">
+                    <a:noFill/>
+                  </a:rPr>
+                  <a:t> </a:t>
+                </a:r>
+              </a:p>
+            </p:txBody>
+          </p:sp>
+        </mc:Fallback>
+      </mc:AlternateContent>
+    </p:spTree>
+    <p:extLst>
+      <p:ext uri="{BB962C8B-B14F-4D97-AF65-F5344CB8AC3E}">
+        <p14:creationId xmlns:p14="http://schemas.microsoft.com/office/powerpoint/2010/main" val="745968376"/>
+      </p:ext>
+    </p:extLst>
+  </p:cSld>
+  <p:clrMapOvr>
+    <a:masterClrMapping/>
+  </p:clrMapOvr>
+</p:sld>
+</file>
+
+<file path=ppt/slides/slide13.xml><?xml version="1.0" encoding="utf-8"?>
+<p:sld xmlns:a="http://schemas.openxmlformats.org/drawingml/2006/main" xmlns:r="http://schemas.openxmlformats.org/officeDocument/2006/relationships" xmlns:p="http://schemas.openxmlformats.org/presentationml/2006/main">
+  <p:cSld>
+    <p:spTree>
+      <p:nvGrpSpPr>
+        <p:cNvPr id="1" name=""/>
+        <p:cNvGrpSpPr/>
+        <p:nvPr/>
+      </p:nvGrpSpPr>
+      <p:grpSpPr>
+        <a:xfrm>
+          <a:off x="0" y="0"/>
+          <a:ext cx="0" cy="0"/>
+          <a:chOff x="0" y="0"/>
+          <a:chExt cx="0" cy="0"/>
+        </a:xfrm>
+      </p:grpSpPr>
+      <p:sp>
+        <p:nvSpPr>
+          <p:cNvPr id="2" name="Title 1">
+            <a:extLst>
+              <a:ext uri="{FF2B5EF4-FFF2-40B4-BE49-F238E27FC236}">
+                <a16:creationId xmlns:a16="http://schemas.microsoft.com/office/drawing/2014/main" id="{D19DF09D-DF0D-4B94-8CF6-A9AB074544F2}"/>
+              </a:ext>
+            </a:extLst>
+          </p:cNvPr>
+          <p:cNvSpPr>
+            <a:spLocks noGrp="1"/>
+          </p:cNvSpPr>
+          <p:nvPr>
+            <p:ph type="title"/>
+          </p:nvPr>
+        </p:nvSpPr>
+        <p:spPr/>
+        <p:txBody>
+          <a:bodyPr/>
+          <a:lstStyle/>
+          <a:p>
+            <a:r>
+              <a:rPr lang="en-US" dirty="0"/>
+              <a:t>Surface (Readability) Implemented Metrics</a:t>
+            </a:r>
+          </a:p>
+        </p:txBody>
+      </p:sp>
+      <mc:AlternateContent xmlns:mc="http://schemas.openxmlformats.org/markup-compatibility/2006">
+        <mc:Choice xmlns:a14="http://schemas.microsoft.com/office/drawing/2010/main" Requires="a14">
+          <p:sp>
+            <p:nvSpPr>
+              <p:cNvPr id="3" name="Content Placeholder 2">
+                <a:extLst>
+                  <a:ext uri="{FF2B5EF4-FFF2-40B4-BE49-F238E27FC236}">
+                    <a16:creationId xmlns:a16="http://schemas.microsoft.com/office/drawing/2014/main" id="{8B732C07-ADC2-4B48-BBF5-B479C53D224E}"/>
+                  </a:ext>
+                </a:extLst>
+              </p:cNvPr>
+              <p:cNvSpPr>
+                <a:spLocks noGrp="1"/>
+              </p:cNvSpPr>
+              <p:nvPr>
+                <p:ph idx="1"/>
+              </p:nvPr>
+            </p:nvSpPr>
+            <p:spPr/>
+            <p:txBody>
+              <a:bodyPr>
+                <a:normAutofit fontScale="92500"/>
+              </a:bodyPr>
+              <a:lstStyle/>
+              <a:p>
+                <a:pPr lvl="0"/>
+                <a:r>
+                  <a:rPr lang="en-US" dirty="0"/>
+                  <a:t>Unique Proper Noun Ratio (</a:t>
+                </a:r>
+                <a:r>
+                  <a:rPr lang="en-US" dirty="0" err="1"/>
+                  <a:t>distPNR</a:t>
+                </a:r>
+                <a:r>
+                  <a:rPr lang="en-US" dirty="0"/>
+                  <a:t>)</a:t>
+                </a:r>
+              </a:p>
+              <a:p>
+                <a:pPr lvl="1"/>
+                <a14:m>
+                  <m:oMath xmlns:m="http://schemas.openxmlformats.org/officeDocument/2006/math">
+                    <m:r>
+                      <a:rPr lang="en-US" i="1"/>
+                      <m:t>𝑑𝑖𝑠𝑡𝑃𝑁𝑅</m:t>
+                    </m:r>
+                    <m:r>
+                      <a:rPr lang="en-US" i="1"/>
+                      <m:t>=</m:t>
+                    </m:r>
+                    <m:f>
+                      <m:fPr>
+                        <m:ctrlPr>
+                          <a:rPr lang="en-US" i="1"/>
+                        </m:ctrlPr>
+                      </m:fPr>
+                      <m:num>
+                        <m:r>
+                          <a:rPr lang="en-US" i="1"/>
+                          <m:t>#</m:t>
+                        </m:r>
+                        <m:r>
+                          <a:rPr lang="en-US" i="1"/>
+                          <m:t>𝑢𝑛𝑖𝑞𝑢𝑒</m:t>
+                        </m:r>
+                        <m:r>
+                          <a:rPr lang="en-US" i="1"/>
+                          <m:t>_</m:t>
+                        </m:r>
+                        <m:r>
+                          <a:rPr lang="en-US" i="1"/>
+                          <m:t>𝑝𝑟𝑜𝑝𝑒𝑟</m:t>
+                        </m:r>
+                        <m:r>
+                          <a:rPr lang="en-US" i="1"/>
+                          <m:t>_</m:t>
+                        </m:r>
+                        <m:r>
+                          <a:rPr lang="en-US" i="1"/>
+                          <m:t>𝑛𝑜𝑢𝑛𝑠</m:t>
+                        </m:r>
+                      </m:num>
+                      <m:den>
+                        <m:r>
+                          <a:rPr lang="en-US" i="1"/>
+                          <m:t>#</m:t>
+                        </m:r>
+                        <m:r>
+                          <a:rPr lang="en-US" i="1"/>
+                          <m:t>𝑤𝑜𝑟𝑑𝑠</m:t>
+                        </m:r>
+                      </m:den>
+                    </m:f>
+                  </m:oMath>
+                </a14:m>
+                <a:endParaRPr lang="en-US" dirty="0"/>
+              </a:p>
+              <a:p>
+                <a:pPr lvl="1"/>
+                <a:r>
+                  <a:rPr lang="en-US" dirty="0"/>
+                  <a:t>The variation of PNR.</a:t>
+                </a:r>
+              </a:p>
+              <a:p>
+                <a:pPr lvl="0"/>
+                <a:r>
+                  <a:rPr lang="en-US" dirty="0"/>
+                  <a:t>Average Word Length</a:t>
+                </a:r>
+              </a:p>
+              <a:p>
+                <a:pPr lvl="1"/>
+                <a14:m>
+                  <m:oMath xmlns:m="http://schemas.openxmlformats.org/officeDocument/2006/math">
+                    <m:r>
+                      <a:rPr lang="en-US" i="1"/>
+                      <m:t>𝐴𝑊𝐿</m:t>
+                    </m:r>
+                    <m:r>
+                      <a:rPr lang="en-US" i="1"/>
+                      <m:t>=</m:t>
+                    </m:r>
+                    <m:f>
+                      <m:fPr>
+                        <m:ctrlPr>
+                          <a:rPr lang="en-US" i="1"/>
+                        </m:ctrlPr>
+                      </m:fPr>
+                      <m:num>
+                        <m:r>
+                          <a:rPr lang="en-US" i="1"/>
+                          <m:t>#</m:t>
+                        </m:r>
+                        <m:r>
+                          <a:rPr lang="en-US" i="1"/>
+                          <m:t>𝑐h𝑎𝑟𝑎𝑐𝑡𝑒𝑟𝑠</m:t>
+                        </m:r>
+                      </m:num>
+                      <m:den>
+                        <m:r>
+                          <a:rPr lang="en-US" i="1"/>
+                          <m:t>#</m:t>
+                        </m:r>
+                        <m:r>
+                          <a:rPr lang="en-US" i="1"/>
+                          <m:t>𝑤𝑜𝑟𝑑𝑠</m:t>
+                        </m:r>
+                      </m:den>
+                    </m:f>
+                  </m:oMath>
+                </a14:m>
+                <a:endParaRPr lang="en-US" dirty="0"/>
+              </a:p>
+              <a:p>
+                <a:pPr lvl="1"/>
+                <a:r>
+                  <a:rPr lang="en-US" dirty="0"/>
+                  <a:t>The intuition behind this is that words with fewer characters are more readable.</a:t>
+                </a:r>
+              </a:p>
+              <a:p>
+                <a:pPr lvl="0"/>
+                <a:r>
+                  <a:rPr lang="en-US" dirty="0"/>
+                  <a:t>Average Sentence Length (ASL)</a:t>
+                </a:r>
+              </a:p>
+              <a:p>
+                <a:pPr lvl="1"/>
+                <a14:m>
+                  <m:oMath xmlns:m="http://schemas.openxmlformats.org/officeDocument/2006/math">
+                    <m:r>
+                      <a:rPr lang="en-US" i="1"/>
+                      <m:t>𝐴𝑆𝐿</m:t>
+                    </m:r>
+                    <m:r>
+                      <a:rPr lang="en-US" i="1"/>
+                      <m:t>=</m:t>
+                    </m:r>
+                    <m:f>
+                      <m:fPr>
+                        <m:ctrlPr>
+                          <a:rPr lang="en-US" i="1"/>
+                        </m:ctrlPr>
+                      </m:fPr>
+                      <m:num>
+                        <m:r>
+                          <a:rPr lang="en-US" i="1"/>
+                          <m:t>#</m:t>
+                        </m:r>
+                        <m:r>
+                          <a:rPr lang="en-US" i="1"/>
+                          <m:t>𝑤𝑜𝑟𝑑𝑠</m:t>
+                        </m:r>
+                      </m:num>
+                      <m:den>
+                        <m:r>
+                          <a:rPr lang="en-US" i="1"/>
+                          <m:t>#</m:t>
+                        </m:r>
+                        <m:r>
+                          <a:rPr lang="en-US" i="1"/>
+                          <m:t>𝑠𝑒𝑛𝑡𝑒𝑛𝑐𝑒𝑠</m:t>
+                        </m:r>
+                      </m:den>
+                    </m:f>
+                  </m:oMath>
+                </a14:m>
+                <a:endParaRPr lang="en-US" dirty="0"/>
+              </a:p>
+              <a:p>
+                <a:pPr lvl="1"/>
+                <a:r>
+                  <a:rPr lang="en-US" dirty="0"/>
+                  <a:t>Long sentences depict harder text for understanding.</a:t>
+                </a:r>
+              </a:p>
+              <a:p>
+                <a:pPr marL="0" indent="0">
+                  <a:buNone/>
+                </a:pPr>
+                <a:endParaRPr lang="en-US" dirty="0"/>
+              </a:p>
+            </p:txBody>
+          </p:sp>
+        </mc:Choice>
+        <mc:Fallback>
+          <p:sp>
+            <p:nvSpPr>
+              <p:cNvPr id="3" name="Content Placeholder 2">
+                <a:extLst>
+                  <a:ext uri="{FF2B5EF4-FFF2-40B4-BE49-F238E27FC236}">
+                    <a16:creationId xmlns:a16="http://schemas.microsoft.com/office/drawing/2014/main" id="{8B732C07-ADC2-4B48-BBF5-B479C53D224E}"/>
+                  </a:ext>
+                </a:extLst>
+              </p:cNvPr>
+              <p:cNvSpPr>
+                <a:spLocks noGrp="1" noRot="1" noChangeAspect="1" noMove="1" noResize="1" noEditPoints="1" noAdjustHandles="1" noChangeArrowheads="1" noChangeShapeType="1" noTextEdit="1"/>
+              </p:cNvSpPr>
+              <p:nvPr>
+                <p:ph idx="1"/>
+              </p:nvPr>
+            </p:nvSpPr>
+            <p:spPr>
+              <a:blipFill>
+                <a:blip r:embed="rId2"/>
+                <a:stretch>
+                  <a:fillRect l="-928" t="-2101"/>
+                </a:stretch>
+              </a:blipFill>
+            </p:spPr>
+            <p:txBody>
+              <a:bodyPr/>
+              <a:lstStyle/>
+              <a:p>
+                <a:r>
+                  <a:rPr lang="en-US">
+                    <a:noFill/>
+                  </a:rPr>
+                  <a:t> </a:t>
+                </a:r>
+              </a:p>
+            </p:txBody>
+          </p:sp>
+        </mc:Fallback>
+      </mc:AlternateContent>
+    </p:spTree>
+    <p:extLst>
+      <p:ext uri="{BB962C8B-B14F-4D97-AF65-F5344CB8AC3E}">
+        <p14:creationId xmlns:p14="http://schemas.microsoft.com/office/powerpoint/2010/main" val="3290529573"/>
       </p:ext>
     </p:extLst>
   </p:cSld>
@@ -4736,8 +5556,8 @@
           </a:p>
         </p:txBody>
       </p:sp>
-      <mc:AlternateContent xmlns:mc="http://schemas.openxmlformats.org/markup-compatibility/2006">
-        <mc:Choice xmlns:a14="http://schemas.microsoft.com/office/drawing/2010/main" Requires="a14">
+      <mc:AlternateContent xmlns:mc="http://schemas.openxmlformats.org/markup-compatibility/2006" xmlns:a14="http://schemas.microsoft.com/office/drawing/2010/main">
+        <mc:Choice Requires="a14">
           <p:sp>
             <p:nvSpPr>
               <p:cNvPr id="3" name="Content Placeholder 2">
@@ -4958,7 +5778,7 @@
             </p:txBody>
           </p:sp>
         </mc:Choice>
-        <mc:Fallback>
+        <mc:Fallback xmlns="">
           <p:sp>
             <p:nvSpPr>
               <p:cNvPr id="3" name="Content Placeholder 2">
